--- a/progetto.pptx
+++ b/progetto.pptx
@@ -268,7 +268,7 @@
           <a:p>
             <a:fld id="{A69AE4FE-05F9-44BD-A9F7-599088DCD9AA}" type="datetimeFigureOut">
               <a:rPr lang="it-IT" smtClean="0"/>
-              <a:t>17/05/2021</a:t>
+              <a:t>18/05/2021</a:t>
             </a:fld>
             <a:endParaRPr lang="it-IT"/>
           </a:p>
@@ -466,7 +466,7 @@
           <a:p>
             <a:fld id="{A69AE4FE-05F9-44BD-A9F7-599088DCD9AA}" type="datetimeFigureOut">
               <a:rPr lang="it-IT" smtClean="0"/>
-              <a:t>17/05/2021</a:t>
+              <a:t>18/05/2021</a:t>
             </a:fld>
             <a:endParaRPr lang="it-IT"/>
           </a:p>
@@ -674,7 +674,7 @@
           <a:p>
             <a:fld id="{A69AE4FE-05F9-44BD-A9F7-599088DCD9AA}" type="datetimeFigureOut">
               <a:rPr lang="it-IT" smtClean="0"/>
-              <a:t>17/05/2021</a:t>
+              <a:t>18/05/2021</a:t>
             </a:fld>
             <a:endParaRPr lang="it-IT"/>
           </a:p>
@@ -872,7 +872,7 @@
           <a:p>
             <a:fld id="{A69AE4FE-05F9-44BD-A9F7-599088DCD9AA}" type="datetimeFigureOut">
               <a:rPr lang="it-IT" smtClean="0"/>
-              <a:t>17/05/2021</a:t>
+              <a:t>18/05/2021</a:t>
             </a:fld>
             <a:endParaRPr lang="it-IT"/>
           </a:p>
@@ -1147,7 +1147,7 @@
           <a:p>
             <a:fld id="{A69AE4FE-05F9-44BD-A9F7-599088DCD9AA}" type="datetimeFigureOut">
               <a:rPr lang="it-IT" smtClean="0"/>
-              <a:t>17/05/2021</a:t>
+              <a:t>18/05/2021</a:t>
             </a:fld>
             <a:endParaRPr lang="it-IT"/>
           </a:p>
@@ -1412,7 +1412,7 @@
           <a:p>
             <a:fld id="{A69AE4FE-05F9-44BD-A9F7-599088DCD9AA}" type="datetimeFigureOut">
               <a:rPr lang="it-IT" smtClean="0"/>
-              <a:t>17/05/2021</a:t>
+              <a:t>18/05/2021</a:t>
             </a:fld>
             <a:endParaRPr lang="it-IT"/>
           </a:p>
@@ -1824,7 +1824,7 @@
           <a:p>
             <a:fld id="{A69AE4FE-05F9-44BD-A9F7-599088DCD9AA}" type="datetimeFigureOut">
               <a:rPr lang="it-IT" smtClean="0"/>
-              <a:t>17/05/2021</a:t>
+              <a:t>18/05/2021</a:t>
             </a:fld>
             <a:endParaRPr lang="it-IT"/>
           </a:p>
@@ -1965,7 +1965,7 @@
           <a:p>
             <a:fld id="{A69AE4FE-05F9-44BD-A9F7-599088DCD9AA}" type="datetimeFigureOut">
               <a:rPr lang="it-IT" smtClean="0"/>
-              <a:t>17/05/2021</a:t>
+              <a:t>18/05/2021</a:t>
             </a:fld>
             <a:endParaRPr lang="it-IT"/>
           </a:p>
@@ -2078,7 +2078,7 @@
           <a:p>
             <a:fld id="{A69AE4FE-05F9-44BD-A9F7-599088DCD9AA}" type="datetimeFigureOut">
               <a:rPr lang="it-IT" smtClean="0"/>
-              <a:t>17/05/2021</a:t>
+              <a:t>18/05/2021</a:t>
             </a:fld>
             <a:endParaRPr lang="it-IT"/>
           </a:p>
@@ -2389,7 +2389,7 @@
           <a:p>
             <a:fld id="{A69AE4FE-05F9-44BD-A9F7-599088DCD9AA}" type="datetimeFigureOut">
               <a:rPr lang="it-IT" smtClean="0"/>
-              <a:t>17/05/2021</a:t>
+              <a:t>18/05/2021</a:t>
             </a:fld>
             <a:endParaRPr lang="it-IT"/>
           </a:p>
@@ -2677,7 +2677,7 @@
           <a:p>
             <a:fld id="{A69AE4FE-05F9-44BD-A9F7-599088DCD9AA}" type="datetimeFigureOut">
               <a:rPr lang="it-IT" smtClean="0"/>
-              <a:t>17/05/2021</a:t>
+              <a:t>18/05/2021</a:t>
             </a:fld>
             <a:endParaRPr lang="it-IT"/>
           </a:p>
@@ -2921,7 +2921,7 @@
           <a:p>
             <a:fld id="{A69AE4FE-05F9-44BD-A9F7-599088DCD9AA}" type="datetimeFigureOut">
               <a:rPr lang="it-IT" smtClean="0"/>
-              <a:t>17/05/2021</a:t>
+              <a:t>18/05/2021</a:t>
             </a:fld>
             <a:endParaRPr lang="it-IT"/>
           </a:p>
@@ -5317,7 +5317,7 @@
           </p:cNvPicPr>
           <p:nvPr/>
         </p:nvPicPr>
-        <p:blipFill>
+        <p:blipFill rotWithShape="1">
           <a:blip r:embed="rId2">
             <a:extLst>
               <a:ext uri="{28A0092B-C50C-407E-A947-70E740481C1C}">
@@ -5325,15 +5325,13 @@
               </a:ext>
             </a:extLst>
           </a:blip>
-          <a:srcRect/>
-          <a:stretch>
-            <a:fillRect/>
-          </a:stretch>
+          <a:srcRect r="17602"/>
+          <a:stretch/>
         </p:blipFill>
         <p:spPr bwMode="auto">
           <a:xfrm>
-            <a:off x="1244338" y="779885"/>
-            <a:ext cx="3729610" cy="5298230"/>
+            <a:off x="273378" y="764123"/>
+            <a:ext cx="3073137" cy="5298230"/>
           </a:xfrm>
           <a:prstGeom prst="rect">
             <a:avLst/>
@@ -5348,6 +5346,66 @@
               </a14:hiddenFill>
             </a:ext>
           </a:extLst>
+        </p:spPr>
+      </p:pic>
+      <p:pic>
+        <p:nvPicPr>
+          <p:cNvPr id="3" name="Immagine 2">
+            <a:extLst>
+              <a:ext uri="{FF2B5EF4-FFF2-40B4-BE49-F238E27FC236}">
+                <a16:creationId xmlns:a16="http://schemas.microsoft.com/office/drawing/2014/main" id="{D68C7194-85ED-4A70-8D34-5ECE8092B4E7}"/>
+              </a:ext>
+            </a:extLst>
+          </p:cNvPr>
+          <p:cNvPicPr>
+            <a:picLocks noChangeAspect="1"/>
+          </p:cNvPicPr>
+          <p:nvPr/>
+        </p:nvPicPr>
+        <p:blipFill>
+          <a:blip r:embed="rId3"/>
+          <a:stretch>
+            <a:fillRect/>
+          </a:stretch>
+        </p:blipFill>
+        <p:spPr>
+          <a:xfrm>
+            <a:off x="3895506" y="779885"/>
+            <a:ext cx="2703774" cy="5298230"/>
+          </a:xfrm>
+          <a:prstGeom prst="rect">
+            <a:avLst/>
+          </a:prstGeom>
+        </p:spPr>
+      </p:pic>
+      <p:pic>
+        <p:nvPicPr>
+          <p:cNvPr id="5" name="Immagine 4">
+            <a:extLst>
+              <a:ext uri="{FF2B5EF4-FFF2-40B4-BE49-F238E27FC236}">
+                <a16:creationId xmlns:a16="http://schemas.microsoft.com/office/drawing/2014/main" id="{D6A41270-A2BD-4E4D-9510-60D3FB0510EC}"/>
+              </a:ext>
+            </a:extLst>
+          </p:cNvPr>
+          <p:cNvPicPr>
+            <a:picLocks noChangeAspect="1"/>
+          </p:cNvPicPr>
+          <p:nvPr/>
+        </p:nvPicPr>
+        <p:blipFill>
+          <a:blip r:embed="rId4"/>
+          <a:stretch>
+            <a:fillRect/>
+          </a:stretch>
+        </p:blipFill>
+        <p:spPr>
+          <a:xfrm>
+            <a:off x="7148270" y="779885"/>
+            <a:ext cx="4770352" cy="5282468"/>
+          </a:xfrm>
+          <a:prstGeom prst="rect">
+            <a:avLst/>
+          </a:prstGeom>
         </p:spPr>
       </p:pic>
     </p:spTree>

--- a/progetto.pptx
+++ b/progetto.pptx
@@ -268,7 +268,7 @@
           <a:p>
             <a:fld id="{A69AE4FE-05F9-44BD-A9F7-599088DCD9AA}" type="datetimeFigureOut">
               <a:rPr lang="it-IT" smtClean="0"/>
-              <a:t>18/05/2021</a:t>
+              <a:t>19/05/2021</a:t>
             </a:fld>
             <a:endParaRPr lang="it-IT"/>
           </a:p>
@@ -466,7 +466,7 @@
           <a:p>
             <a:fld id="{A69AE4FE-05F9-44BD-A9F7-599088DCD9AA}" type="datetimeFigureOut">
               <a:rPr lang="it-IT" smtClean="0"/>
-              <a:t>18/05/2021</a:t>
+              <a:t>19/05/2021</a:t>
             </a:fld>
             <a:endParaRPr lang="it-IT"/>
           </a:p>
@@ -674,7 +674,7 @@
           <a:p>
             <a:fld id="{A69AE4FE-05F9-44BD-A9F7-599088DCD9AA}" type="datetimeFigureOut">
               <a:rPr lang="it-IT" smtClean="0"/>
-              <a:t>18/05/2021</a:t>
+              <a:t>19/05/2021</a:t>
             </a:fld>
             <a:endParaRPr lang="it-IT"/>
           </a:p>
@@ -872,7 +872,7 @@
           <a:p>
             <a:fld id="{A69AE4FE-05F9-44BD-A9F7-599088DCD9AA}" type="datetimeFigureOut">
               <a:rPr lang="it-IT" smtClean="0"/>
-              <a:t>18/05/2021</a:t>
+              <a:t>19/05/2021</a:t>
             </a:fld>
             <a:endParaRPr lang="it-IT"/>
           </a:p>
@@ -1147,7 +1147,7 @@
           <a:p>
             <a:fld id="{A69AE4FE-05F9-44BD-A9F7-599088DCD9AA}" type="datetimeFigureOut">
               <a:rPr lang="it-IT" smtClean="0"/>
-              <a:t>18/05/2021</a:t>
+              <a:t>19/05/2021</a:t>
             </a:fld>
             <a:endParaRPr lang="it-IT"/>
           </a:p>
@@ -1412,7 +1412,7 @@
           <a:p>
             <a:fld id="{A69AE4FE-05F9-44BD-A9F7-599088DCD9AA}" type="datetimeFigureOut">
               <a:rPr lang="it-IT" smtClean="0"/>
-              <a:t>18/05/2021</a:t>
+              <a:t>19/05/2021</a:t>
             </a:fld>
             <a:endParaRPr lang="it-IT"/>
           </a:p>
@@ -1824,7 +1824,7 @@
           <a:p>
             <a:fld id="{A69AE4FE-05F9-44BD-A9F7-599088DCD9AA}" type="datetimeFigureOut">
               <a:rPr lang="it-IT" smtClean="0"/>
-              <a:t>18/05/2021</a:t>
+              <a:t>19/05/2021</a:t>
             </a:fld>
             <a:endParaRPr lang="it-IT"/>
           </a:p>
@@ -1965,7 +1965,7 @@
           <a:p>
             <a:fld id="{A69AE4FE-05F9-44BD-A9F7-599088DCD9AA}" type="datetimeFigureOut">
               <a:rPr lang="it-IT" smtClean="0"/>
-              <a:t>18/05/2021</a:t>
+              <a:t>19/05/2021</a:t>
             </a:fld>
             <a:endParaRPr lang="it-IT"/>
           </a:p>
@@ -2078,7 +2078,7 @@
           <a:p>
             <a:fld id="{A69AE4FE-05F9-44BD-A9F7-599088DCD9AA}" type="datetimeFigureOut">
               <a:rPr lang="it-IT" smtClean="0"/>
-              <a:t>18/05/2021</a:t>
+              <a:t>19/05/2021</a:t>
             </a:fld>
             <a:endParaRPr lang="it-IT"/>
           </a:p>
@@ -2389,7 +2389,7 @@
           <a:p>
             <a:fld id="{A69AE4FE-05F9-44BD-A9F7-599088DCD9AA}" type="datetimeFigureOut">
               <a:rPr lang="it-IT" smtClean="0"/>
-              <a:t>18/05/2021</a:t>
+              <a:t>19/05/2021</a:t>
             </a:fld>
             <a:endParaRPr lang="it-IT"/>
           </a:p>
@@ -2677,7 +2677,7 @@
           <a:p>
             <a:fld id="{A69AE4FE-05F9-44BD-A9F7-599088DCD9AA}" type="datetimeFigureOut">
               <a:rPr lang="it-IT" smtClean="0"/>
-              <a:t>18/05/2021</a:t>
+              <a:t>19/05/2021</a:t>
             </a:fld>
             <a:endParaRPr lang="it-IT"/>
           </a:p>
@@ -2921,7 +2921,7 @@
           <a:p>
             <a:fld id="{A69AE4FE-05F9-44BD-A9F7-599088DCD9AA}" type="datetimeFigureOut">
               <a:rPr lang="it-IT" smtClean="0"/>
-              <a:t>18/05/2021</a:t>
+              <a:t>19/05/2021</a:t>
             </a:fld>
             <a:endParaRPr lang="it-IT"/>
           </a:p>
@@ -3687,11 +3687,14 @@
               <a:buFontTx/>
               <a:buChar char="-"/>
             </a:pPr>
-            <a:endParaRPr lang="it-IT" dirty="0">
-              <a:solidFill>
-                <a:schemeClr val="bg1"/>
-              </a:solidFill>
-            </a:endParaRPr>
+            <a:r>
+              <a:rPr lang="it-IT" dirty="0">
+                <a:solidFill>
+                  <a:schemeClr val="bg1"/>
+                </a:solidFill>
+              </a:rPr>
+              <a:t>Comunicazione Seriale</a:t>
+            </a:r>
           </a:p>
           <a:p>
             <a:pPr marL="285750" indent="-285750">
@@ -3760,7 +3763,7 @@
         <p:spPr>
           <a:xfrm>
             <a:off x="6813608" y="2546054"/>
-            <a:ext cx="4896880" cy="2031325"/>
+            <a:ext cx="4896880" cy="2308324"/>
           </a:xfrm>
           <a:prstGeom prst="rect">
             <a:avLst/>
@@ -3881,6 +3884,20 @@
                 </a:solidFill>
               </a:rPr>
               <a:t>Diminuzione dati</a:t>
+            </a:r>
+          </a:p>
+          <a:p>
+            <a:pPr marL="285750" indent="-285750">
+              <a:buFontTx/>
+              <a:buChar char="-"/>
+            </a:pPr>
+            <a:r>
+              <a:rPr lang="it-IT" dirty="0">
+                <a:solidFill>
+                  <a:schemeClr val="bg1"/>
+                </a:solidFill>
+              </a:rPr>
+              <a:t>Non risolto</a:t>
             </a:r>
           </a:p>
         </p:txBody>

--- a/progetto.pptx
+++ b/progetto.pptx
@@ -5322,55 +5322,40 @@
       </p:sp>
       <p:pic>
         <p:nvPicPr>
-          <p:cNvPr id="1026" name="Picture 2">
-            <a:extLst>
-              <a:ext uri="{FF2B5EF4-FFF2-40B4-BE49-F238E27FC236}">
-                <a16:creationId xmlns:a16="http://schemas.microsoft.com/office/drawing/2014/main" id="{E4F79817-831F-462A-907B-046D237E3434}"/>
+          <p:cNvPr id="5" name="Immagine 4">
+            <a:extLst>
+              <a:ext uri="{FF2B5EF4-FFF2-40B4-BE49-F238E27FC236}">
+                <a16:creationId xmlns:a16="http://schemas.microsoft.com/office/drawing/2014/main" id="{D6A41270-A2BD-4E4D-9510-60D3FB0510EC}"/>
               </a:ext>
             </a:extLst>
           </p:cNvPr>
           <p:cNvPicPr>
-            <a:picLocks noChangeAspect="1" noChangeArrowheads="1"/>
+            <a:picLocks noChangeAspect="1"/>
           </p:cNvPicPr>
           <p:nvPr/>
         </p:nvPicPr>
-        <p:blipFill rotWithShape="1">
-          <a:blip r:embed="rId2">
-            <a:extLst>
-              <a:ext uri="{28A0092B-C50C-407E-A947-70E740481C1C}">
-                <a14:useLocalDpi xmlns:a14="http://schemas.microsoft.com/office/drawing/2010/main" val="0"/>
-              </a:ext>
-            </a:extLst>
-          </a:blip>
-          <a:srcRect r="17602"/>
-          <a:stretch/>
+        <p:blipFill>
+          <a:blip r:embed="rId2"/>
+          <a:stretch>
+            <a:fillRect/>
+          </a:stretch>
         </p:blipFill>
-        <p:spPr bwMode="auto">
-          <a:xfrm>
-            <a:off x="273378" y="764123"/>
-            <a:ext cx="3073137" cy="5298230"/>
+        <p:spPr>
+          <a:xfrm>
+            <a:off x="8018106" y="779885"/>
+            <a:ext cx="3900516" cy="5282468"/>
           </a:xfrm>
           <a:prstGeom prst="rect">
             <a:avLst/>
           </a:prstGeom>
-          <a:noFill/>
-          <a:extLst>
-            <a:ext uri="{909E8E84-426E-40DD-AFC4-6F175D3DCCD1}">
-              <a14:hiddenFill xmlns:a14="http://schemas.microsoft.com/office/drawing/2010/main">
-                <a:solidFill>
-                  <a:srgbClr val="FFFFFF"/>
-                </a:solidFill>
-              </a14:hiddenFill>
-            </a:ext>
-          </a:extLst>
         </p:spPr>
       </p:pic>
       <p:pic>
         <p:nvPicPr>
-          <p:cNvPr id="3" name="Immagine 2">
-            <a:extLst>
-              <a:ext uri="{FF2B5EF4-FFF2-40B4-BE49-F238E27FC236}">
-                <a16:creationId xmlns:a16="http://schemas.microsoft.com/office/drawing/2014/main" id="{D68C7194-85ED-4A70-8D34-5ECE8092B4E7}"/>
+          <p:cNvPr id="6" name="Immagine 5">
+            <a:extLst>
+              <a:ext uri="{FF2B5EF4-FFF2-40B4-BE49-F238E27FC236}">
+                <a16:creationId xmlns:a16="http://schemas.microsoft.com/office/drawing/2014/main" id="{0B67179B-2E64-4F8C-B500-B0D2BDBFEAB6}"/>
               </a:ext>
             </a:extLst>
           </p:cNvPr>
@@ -5387,8 +5372,8 @@
         </p:blipFill>
         <p:spPr>
           <a:xfrm>
-            <a:off x="3895506" y="779885"/>
-            <a:ext cx="2703774" cy="5298230"/>
+            <a:off x="198838" y="764123"/>
+            <a:ext cx="2629852" cy="4912365"/>
           </a:xfrm>
           <a:prstGeom prst="rect">
             <a:avLst/>
@@ -5397,10 +5382,10 @@
       </p:pic>
       <p:pic>
         <p:nvPicPr>
-          <p:cNvPr id="5" name="Immagine 4">
-            <a:extLst>
-              <a:ext uri="{FF2B5EF4-FFF2-40B4-BE49-F238E27FC236}">
-                <a16:creationId xmlns:a16="http://schemas.microsoft.com/office/drawing/2014/main" id="{D6A41270-A2BD-4E4D-9510-60D3FB0510EC}"/>
+          <p:cNvPr id="8" name="Immagine 7">
+            <a:extLst>
+              <a:ext uri="{FF2B5EF4-FFF2-40B4-BE49-F238E27FC236}">
+                <a16:creationId xmlns:a16="http://schemas.microsoft.com/office/drawing/2014/main" id="{1214C8D8-846D-46EA-91F8-FADED07F8BE2}"/>
               </a:ext>
             </a:extLst>
           </p:cNvPr>
@@ -5417,8 +5402,38 @@
         </p:blipFill>
         <p:spPr>
           <a:xfrm>
-            <a:off x="7148270" y="779885"/>
-            <a:ext cx="4770352" cy="5282468"/>
+            <a:off x="2938344" y="-7881"/>
+            <a:ext cx="2088292" cy="6858000"/>
+          </a:xfrm>
+          <a:prstGeom prst="rect">
+            <a:avLst/>
+          </a:prstGeom>
+        </p:spPr>
+      </p:pic>
+      <p:pic>
+        <p:nvPicPr>
+          <p:cNvPr id="10" name="Immagine 9">
+            <a:extLst>
+              <a:ext uri="{FF2B5EF4-FFF2-40B4-BE49-F238E27FC236}">
+                <a16:creationId xmlns:a16="http://schemas.microsoft.com/office/drawing/2014/main" id="{4C7EEBB2-B395-478D-9A5A-03A9B0B4E1DF}"/>
+              </a:ext>
+            </a:extLst>
+          </p:cNvPr>
+          <p:cNvPicPr>
+            <a:picLocks noChangeAspect="1"/>
+          </p:cNvPicPr>
+          <p:nvPr/>
+        </p:nvPicPr>
+        <p:blipFill>
+          <a:blip r:embed="rId5"/>
+          <a:stretch>
+            <a:fillRect/>
+          </a:stretch>
+        </p:blipFill>
+        <p:spPr>
+          <a:xfrm>
+            <a:off x="5136290" y="764123"/>
+            <a:ext cx="2772162" cy="5753903"/>
           </a:xfrm>
           <a:prstGeom prst="rect">
             <a:avLst/>
